--- a/My Resources/Photos/photos.pptx
+++ b/My Resources/Photos/photos.pptx
@@ -7,8 +7,8 @@
   <p:sldIdLst>
     <p:sldId id="256" r:id="rId2"/>
     <p:sldId id="257" r:id="rId3"/>
-    <p:sldId id="258" r:id="rId4"/>
-    <p:sldId id="259" r:id="rId5"/>
+    <p:sldId id="259" r:id="rId4"/>
+    <p:sldId id="260" r:id="rId5"/>
   </p:sldIdLst>
   <p:sldSz cx="9144000" cy="6858000" type="screen4x3"/>
   <p:notesSz cx="6858000" cy="9144000"/>
@@ -292,7 +292,7 @@
             <a:fld id="{55169934-6BC7-4441-A162-9BAC19B094A4}" type="datetimeFigureOut">
               <a:rPr lang="en-US" smtClean="0"/>
               <a:pPr/>
-              <a:t>3/27/2015</a:t>
+              <a:t>4/29/2015</a:t>
             </a:fld>
             <a:endParaRPr lang="en-GB"/>
           </a:p>
@@ -459,7 +459,7 @@
             <a:fld id="{55169934-6BC7-4441-A162-9BAC19B094A4}" type="datetimeFigureOut">
               <a:rPr lang="en-US" smtClean="0"/>
               <a:pPr/>
-              <a:t>3/27/2015</a:t>
+              <a:t>4/29/2015</a:t>
             </a:fld>
             <a:endParaRPr lang="en-GB"/>
           </a:p>
@@ -636,7 +636,7 @@
             <a:fld id="{55169934-6BC7-4441-A162-9BAC19B094A4}" type="datetimeFigureOut">
               <a:rPr lang="en-US" smtClean="0"/>
               <a:pPr/>
-              <a:t>3/27/2015</a:t>
+              <a:t>4/29/2015</a:t>
             </a:fld>
             <a:endParaRPr lang="en-GB"/>
           </a:p>
@@ -803,7 +803,7 @@
             <a:fld id="{55169934-6BC7-4441-A162-9BAC19B094A4}" type="datetimeFigureOut">
               <a:rPr lang="en-US" smtClean="0"/>
               <a:pPr/>
-              <a:t>3/27/2015</a:t>
+              <a:t>4/29/2015</a:t>
             </a:fld>
             <a:endParaRPr lang="en-GB"/>
           </a:p>
@@ -1046,7 +1046,7 @@
             <a:fld id="{55169934-6BC7-4441-A162-9BAC19B094A4}" type="datetimeFigureOut">
               <a:rPr lang="en-US" smtClean="0"/>
               <a:pPr/>
-              <a:t>3/27/2015</a:t>
+              <a:t>4/29/2015</a:t>
             </a:fld>
             <a:endParaRPr lang="en-GB"/>
           </a:p>
@@ -1331,7 +1331,7 @@
             <a:fld id="{55169934-6BC7-4441-A162-9BAC19B094A4}" type="datetimeFigureOut">
               <a:rPr lang="en-US" smtClean="0"/>
               <a:pPr/>
-              <a:t>3/27/2015</a:t>
+              <a:t>4/29/2015</a:t>
             </a:fld>
             <a:endParaRPr lang="en-GB"/>
           </a:p>
@@ -1750,7 +1750,7 @@
             <a:fld id="{55169934-6BC7-4441-A162-9BAC19B094A4}" type="datetimeFigureOut">
               <a:rPr lang="en-US" smtClean="0"/>
               <a:pPr/>
-              <a:t>3/27/2015</a:t>
+              <a:t>4/29/2015</a:t>
             </a:fld>
             <a:endParaRPr lang="en-GB"/>
           </a:p>
@@ -1865,7 +1865,7 @@
             <a:fld id="{55169934-6BC7-4441-A162-9BAC19B094A4}" type="datetimeFigureOut">
               <a:rPr lang="en-US" smtClean="0"/>
               <a:pPr/>
-              <a:t>3/27/2015</a:t>
+              <a:t>4/29/2015</a:t>
             </a:fld>
             <a:endParaRPr lang="en-GB"/>
           </a:p>
@@ -1957,7 +1957,7 @@
             <a:fld id="{55169934-6BC7-4441-A162-9BAC19B094A4}" type="datetimeFigureOut">
               <a:rPr lang="en-US" smtClean="0"/>
               <a:pPr/>
-              <a:t>3/27/2015</a:t>
+              <a:t>4/29/2015</a:t>
             </a:fld>
             <a:endParaRPr lang="en-GB"/>
           </a:p>
@@ -2231,7 +2231,7 @@
             <a:fld id="{55169934-6BC7-4441-A162-9BAC19B094A4}" type="datetimeFigureOut">
               <a:rPr lang="en-US" smtClean="0"/>
               <a:pPr/>
-              <a:t>3/27/2015</a:t>
+              <a:t>4/29/2015</a:t>
             </a:fld>
             <a:endParaRPr lang="en-GB"/>
           </a:p>
@@ -2481,7 +2481,7 @@
             <a:fld id="{55169934-6BC7-4441-A162-9BAC19B094A4}" type="datetimeFigureOut">
               <a:rPr lang="en-US" smtClean="0"/>
               <a:pPr/>
-              <a:t>3/27/2015</a:t>
+              <a:t>4/29/2015</a:t>
             </a:fld>
             <a:endParaRPr lang="en-GB"/>
           </a:p>
@@ -2691,7 +2691,7 @@
             <a:fld id="{55169934-6BC7-4441-A162-9BAC19B094A4}" type="datetimeFigureOut">
               <a:rPr lang="en-US" smtClean="0"/>
               <a:pPr/>
-              <a:t>3/27/2015</a:t>
+              <a:t>4/29/2015</a:t>
             </a:fld>
             <a:endParaRPr lang="en-GB"/>
           </a:p>
@@ -3286,31 +3286,6 @@
           <a:chExt cx="0" cy="0"/>
         </a:xfrm>
       </p:grpSpPr>
-    </p:spTree>
-  </p:cSld>
-  <p:clrMapOvr>
-    <a:masterClrMapping/>
-  </p:clrMapOvr>
-</p:sld>
-</file>
-
-<file path=ppt/slides/slide4.xml><?xml version="1.0" encoding="utf-8"?>
-<p:sld xmlns:a="http://schemas.openxmlformats.org/drawingml/2006/main" xmlns:r="http://schemas.openxmlformats.org/officeDocument/2006/relationships" xmlns:p="http://schemas.openxmlformats.org/presentationml/2006/main">
-  <p:cSld>
-    <p:spTree>
-      <p:nvGrpSpPr>
-        <p:cNvPr id="1" name=""/>
-        <p:cNvGrpSpPr/>
-        <p:nvPr/>
-      </p:nvGrpSpPr>
-      <p:grpSpPr>
-        <a:xfrm>
-          <a:off x="0" y="0"/>
-          <a:ext cx="0" cy="0"/>
-          <a:chOff x="0" y="0"/>
-          <a:chExt cx="0" cy="0"/>
-        </a:xfrm>
-      </p:grpSpPr>
       <p:sp>
         <p:nvSpPr>
           <p:cNvPr id="4" name="Oval 3"/>
@@ -3319,8 +3294,8 @@
         </p:nvSpPr>
         <p:spPr>
           <a:xfrm>
-            <a:off x="1857356" y="2500306"/>
-            <a:ext cx="714380" cy="714380"/>
+            <a:off x="2000232" y="2571744"/>
+            <a:ext cx="2143140" cy="2143140"/>
           </a:xfrm>
           <a:prstGeom prst="ellipse">
             <a:avLst/>
@@ -3365,8 +3340,8 @@
         </p:nvSpPr>
         <p:spPr>
           <a:xfrm>
-            <a:off x="214282" y="2500306"/>
-            <a:ext cx="3929090" cy="707886"/>
+            <a:off x="1142976" y="2071678"/>
+            <a:ext cx="3286148" cy="3170099"/>
           </a:xfrm>
           <a:prstGeom prst="rect">
             <a:avLst/>
@@ -3381,7 +3356,7 @@
           <a:p>
             <a:pPr algn="ctr"/>
             <a:r>
-              <a:rPr lang="en-US" sz="4000" dirty="0" err="1" smtClean="0">
+              <a:rPr lang="en-US" sz="20000" dirty="0" err="1" smtClean="0">
                 <a:solidFill>
                   <a:srgbClr val="4317E3"/>
                 </a:solidFill>
@@ -3389,9 +3364,148 @@
               </a:rPr>
               <a:t>i</a:t>
             </a:r>
-            <a:endParaRPr lang="en-GB" sz="4000" dirty="0">
+            <a:r>
+              <a:rPr lang="en-US" sz="20000" dirty="0" smtClean="0">
+                <a:solidFill>
+                  <a:srgbClr val="4317E3"/>
+                </a:solidFill>
+                <a:latin typeface="Monotype Corsiva" pitchFamily="66" charset="0"/>
+              </a:rPr>
+              <a:t> </a:t>
+            </a:r>
+            <a:endParaRPr lang="en-GB" sz="20000" dirty="0">
               <a:solidFill>
                 <a:srgbClr val="4317E3"/>
+              </a:solidFill>
+              <a:latin typeface="Monotype Corsiva" pitchFamily="66" charset="0"/>
+            </a:endParaRPr>
+          </a:p>
+        </p:txBody>
+      </p:sp>
+    </p:spTree>
+  </p:cSld>
+  <p:clrMapOvr>
+    <a:masterClrMapping/>
+  </p:clrMapOvr>
+  <p:timing>
+    <p:tnLst>
+      <p:par>
+        <p:cTn id="1" dur="indefinite" restart="never" nodeType="tmRoot"/>
+      </p:par>
+    </p:tnLst>
+  </p:timing>
+</p:sld>
+</file>
+
+<file path=ppt/slides/slide4.xml><?xml version="1.0" encoding="utf-8"?>
+<p:sld xmlns:a="http://schemas.openxmlformats.org/drawingml/2006/main" xmlns:r="http://schemas.openxmlformats.org/officeDocument/2006/relationships" xmlns:p="http://schemas.openxmlformats.org/presentationml/2006/main">
+  <p:cSld>
+    <p:spTree>
+      <p:nvGrpSpPr>
+        <p:cNvPr id="1" name=""/>
+        <p:cNvGrpSpPr/>
+        <p:nvPr/>
+      </p:nvGrpSpPr>
+      <p:grpSpPr>
+        <a:xfrm>
+          <a:off x="0" y="0"/>
+          <a:ext cx="0" cy="0"/>
+          <a:chOff x="0" y="0"/>
+          <a:chExt cx="0" cy="0"/>
+        </a:xfrm>
+      </p:grpSpPr>
+      <p:sp>
+        <p:nvSpPr>
+          <p:cNvPr id="4" name="Oval 3"/>
+          <p:cNvSpPr/>
+          <p:nvPr/>
+        </p:nvSpPr>
+        <p:spPr>
+          <a:xfrm>
+            <a:off x="2000232" y="2571744"/>
+            <a:ext cx="2143140" cy="2143140"/>
+          </a:xfrm>
+          <a:prstGeom prst="ellipse">
+            <a:avLst/>
+          </a:prstGeom>
+          <a:solidFill>
+            <a:schemeClr val="accent1"/>
+          </a:solidFill>
+          <a:ln>
+            <a:solidFill>
+              <a:srgbClr val="153FEF"/>
+            </a:solidFill>
+          </a:ln>
+        </p:spPr>
+        <p:style>
+          <a:lnRef idx="2">
+            <a:schemeClr val="accent1">
+              <a:shade val="50000"/>
+            </a:schemeClr>
+          </a:lnRef>
+          <a:fillRef idx="1">
+            <a:schemeClr val="accent1"/>
+          </a:fillRef>
+          <a:effectRef idx="0">
+            <a:schemeClr val="accent1"/>
+          </a:effectRef>
+          <a:fontRef idx="minor">
+            <a:schemeClr val="lt1"/>
+          </a:fontRef>
+        </p:style>
+        <p:txBody>
+          <a:bodyPr rtlCol="0" anchor="ctr"/>
+          <a:lstStyle/>
+          <a:p>
+            <a:pPr algn="ctr"/>
+            <a:endParaRPr lang="en-GB"/>
+          </a:p>
+        </p:txBody>
+      </p:sp>
+      <p:sp>
+        <p:nvSpPr>
+          <p:cNvPr id="5" name="TextBox 4"/>
+          <p:cNvSpPr txBox="1"/>
+          <p:nvPr/>
+        </p:nvSpPr>
+        <p:spPr>
+          <a:xfrm>
+            <a:off x="1142976" y="2071678"/>
+            <a:ext cx="3286148" cy="3170099"/>
+          </a:xfrm>
+          <a:prstGeom prst="rect">
+            <a:avLst/>
+          </a:prstGeom>
+          <a:noFill/>
+        </p:spPr>
+        <p:txBody>
+          <a:bodyPr wrap="square" rtlCol="0">
+            <a:spAutoFit/>
+          </a:bodyPr>
+          <a:lstStyle/>
+          <a:p>
+            <a:pPr algn="ctr"/>
+            <a:r>
+              <a:rPr lang="en-US" sz="20000" dirty="0" err="1" smtClean="0">
+                <a:solidFill>
+                  <a:schemeClr val="bg1"/>
+                </a:solidFill>
+                <a:latin typeface="Monotype Corsiva" pitchFamily="66" charset="0"/>
+              </a:rPr>
+              <a:t>i</a:t>
+            </a:r>
+            <a:r>
+              <a:rPr lang="en-US" sz="20000" dirty="0" smtClean="0">
+                <a:solidFill>
+                  <a:schemeClr val="bg1"/>
+                </a:solidFill>
+                <a:latin typeface="Monotype Corsiva" pitchFamily="66" charset="0"/>
+              </a:rPr>
+              <a:t> </a:t>
+            </a:r>
+            <a:endParaRPr lang="en-GB" sz="20000" dirty="0">
+              <a:solidFill>
+                <a:schemeClr val="bg1"/>
               </a:solidFill>
               <a:latin typeface="Monotype Corsiva" pitchFamily="66" charset="0"/>
             </a:endParaRPr>

--- a/My Resources/Photos/photos.pptx
+++ b/My Resources/Photos/photos.pptx
@@ -9,6 +9,9 @@
     <p:sldId id="257" r:id="rId3"/>
     <p:sldId id="259" r:id="rId4"/>
     <p:sldId id="260" r:id="rId5"/>
+    <p:sldId id="261" r:id="rId6"/>
+    <p:sldId id="262" r:id="rId7"/>
+    <p:sldId id="263" r:id="rId8"/>
   </p:sldIdLst>
   <p:sldSz cx="9144000" cy="6858000" type="screen4x3"/>
   <p:notesSz cx="6858000" cy="9144000"/>
@@ -292,7 +295,7 @@
             <a:fld id="{55169934-6BC7-4441-A162-9BAC19B094A4}" type="datetimeFigureOut">
               <a:rPr lang="en-US" smtClean="0"/>
               <a:pPr/>
-              <a:t>4/29/2015</a:t>
+              <a:t>15-Dec-16</a:t>
             </a:fld>
             <a:endParaRPr lang="en-GB"/>
           </a:p>
@@ -459,7 +462,7 @@
             <a:fld id="{55169934-6BC7-4441-A162-9BAC19B094A4}" type="datetimeFigureOut">
               <a:rPr lang="en-US" smtClean="0"/>
               <a:pPr/>
-              <a:t>4/29/2015</a:t>
+              <a:t>15-Dec-16</a:t>
             </a:fld>
             <a:endParaRPr lang="en-GB"/>
           </a:p>
@@ -636,7 +639,7 @@
             <a:fld id="{55169934-6BC7-4441-A162-9BAC19B094A4}" type="datetimeFigureOut">
               <a:rPr lang="en-US" smtClean="0"/>
               <a:pPr/>
-              <a:t>4/29/2015</a:t>
+              <a:t>15-Dec-16</a:t>
             </a:fld>
             <a:endParaRPr lang="en-GB"/>
           </a:p>
@@ -803,7 +806,7 @@
             <a:fld id="{55169934-6BC7-4441-A162-9BAC19B094A4}" type="datetimeFigureOut">
               <a:rPr lang="en-US" smtClean="0"/>
               <a:pPr/>
-              <a:t>4/29/2015</a:t>
+              <a:t>15-Dec-16</a:t>
             </a:fld>
             <a:endParaRPr lang="en-GB"/>
           </a:p>
@@ -1046,7 +1049,7 @@
             <a:fld id="{55169934-6BC7-4441-A162-9BAC19B094A4}" type="datetimeFigureOut">
               <a:rPr lang="en-US" smtClean="0"/>
               <a:pPr/>
-              <a:t>4/29/2015</a:t>
+              <a:t>15-Dec-16</a:t>
             </a:fld>
             <a:endParaRPr lang="en-GB"/>
           </a:p>
@@ -1331,7 +1334,7 @@
             <a:fld id="{55169934-6BC7-4441-A162-9BAC19B094A4}" type="datetimeFigureOut">
               <a:rPr lang="en-US" smtClean="0"/>
               <a:pPr/>
-              <a:t>4/29/2015</a:t>
+              <a:t>15-Dec-16</a:t>
             </a:fld>
             <a:endParaRPr lang="en-GB"/>
           </a:p>
@@ -1750,7 +1753,7 @@
             <a:fld id="{55169934-6BC7-4441-A162-9BAC19B094A4}" type="datetimeFigureOut">
               <a:rPr lang="en-US" smtClean="0"/>
               <a:pPr/>
-              <a:t>4/29/2015</a:t>
+              <a:t>15-Dec-16</a:t>
             </a:fld>
             <a:endParaRPr lang="en-GB"/>
           </a:p>
@@ -1865,7 +1868,7 @@
             <a:fld id="{55169934-6BC7-4441-A162-9BAC19B094A4}" type="datetimeFigureOut">
               <a:rPr lang="en-US" smtClean="0"/>
               <a:pPr/>
-              <a:t>4/29/2015</a:t>
+              <a:t>15-Dec-16</a:t>
             </a:fld>
             <a:endParaRPr lang="en-GB"/>
           </a:p>
@@ -1957,7 +1960,7 @@
             <a:fld id="{55169934-6BC7-4441-A162-9BAC19B094A4}" type="datetimeFigureOut">
               <a:rPr lang="en-US" smtClean="0"/>
               <a:pPr/>
-              <a:t>4/29/2015</a:t>
+              <a:t>15-Dec-16</a:t>
             </a:fld>
             <a:endParaRPr lang="en-GB"/>
           </a:p>
@@ -2231,7 +2234,7 @@
             <a:fld id="{55169934-6BC7-4441-A162-9BAC19B094A4}" type="datetimeFigureOut">
               <a:rPr lang="en-US" smtClean="0"/>
               <a:pPr/>
-              <a:t>4/29/2015</a:t>
+              <a:t>15-Dec-16</a:t>
             </a:fld>
             <a:endParaRPr lang="en-GB"/>
           </a:p>
@@ -2481,7 +2484,7 @@
             <a:fld id="{55169934-6BC7-4441-A162-9BAC19B094A4}" type="datetimeFigureOut">
               <a:rPr lang="en-US" smtClean="0"/>
               <a:pPr/>
-              <a:t>4/29/2015</a:t>
+              <a:t>15-Dec-16</a:t>
             </a:fld>
             <a:endParaRPr lang="en-GB"/>
           </a:p>
@@ -2691,7 +2694,7 @@
             <a:fld id="{55169934-6BC7-4441-A162-9BAC19B094A4}" type="datetimeFigureOut">
               <a:rPr lang="en-US" smtClean="0"/>
               <a:pPr/>
-              <a:t>4/29/2015</a:t>
+              <a:t>15-Dec-16</a:t>
             </a:fld>
             <a:endParaRPr lang="en-GB"/>
           </a:p>
@@ -3085,7 +3088,7 @@
             <p:nvPr/>
           </p:nvPicPr>
           <p:blipFill>
-            <a:blip r:embed="rId2"/>
+            <a:blip r:embed="rId2" cstate="print"/>
             <a:srcRect/>
             <a:stretch>
               <a:fillRect/>
@@ -3201,7 +3204,7 @@
             <p:nvPr/>
           </p:nvPicPr>
           <p:blipFill>
-            <a:blip r:embed="rId2"/>
+            <a:blip r:embed="rId2" cstate="print"/>
             <a:stretch>
               <a:fillRect/>
             </a:stretch>
@@ -3524,6 +3527,411 @@
       </p:par>
     </p:tnLst>
   </p:timing>
+</p:sld>
+</file>
+
+<file path=ppt/slides/slide5.xml><?xml version="1.0" encoding="utf-8"?>
+<p:sld xmlns:a="http://schemas.openxmlformats.org/drawingml/2006/main" xmlns:r="http://schemas.openxmlformats.org/officeDocument/2006/relationships" xmlns:p="http://schemas.openxmlformats.org/presentationml/2006/main">
+  <p:cSld>
+    <p:spTree>
+      <p:nvGrpSpPr>
+        <p:cNvPr id="1" name=""/>
+        <p:cNvGrpSpPr/>
+        <p:nvPr/>
+      </p:nvGrpSpPr>
+      <p:grpSpPr>
+        <a:xfrm>
+          <a:off x="0" y="0"/>
+          <a:ext cx="0" cy="0"/>
+          <a:chOff x="0" y="0"/>
+          <a:chExt cx="0" cy="0"/>
+        </a:xfrm>
+      </p:grpSpPr>
+      <p:pic>
+        <p:nvPicPr>
+          <p:cNvPr id="3" name="Picture 2" descr="D:\Workspaces\Eclipse-Android\ExpenditureList\My Resources\Photos\wallet 02.png"/>
+          <p:cNvPicPr>
+            <a:picLocks noChangeAspect="1" noChangeArrowheads="1"/>
+          </p:cNvPicPr>
+          <p:nvPr/>
+        </p:nvPicPr>
+        <p:blipFill>
+          <a:blip r:embed="rId2" cstate="print"/>
+          <a:srcRect/>
+          <a:stretch>
+            <a:fillRect/>
+          </a:stretch>
+        </p:blipFill>
+        <p:spPr bwMode="auto">
+          <a:xfrm>
+            <a:off x="3095625" y="1735138"/>
+            <a:ext cx="3048000" cy="3048000"/>
+          </a:xfrm>
+          <a:prstGeom prst="rect">
+            <a:avLst/>
+          </a:prstGeom>
+          <a:noFill/>
+        </p:spPr>
+      </p:pic>
+      <p:sp>
+        <p:nvSpPr>
+          <p:cNvPr id="5" name="Cross 4"/>
+          <p:cNvSpPr/>
+          <p:nvPr/>
+        </p:nvSpPr>
+        <p:spPr>
+          <a:xfrm>
+            <a:off x="4788024" y="2060848"/>
+            <a:ext cx="1440160" cy="1440160"/>
+          </a:xfrm>
+          <a:prstGeom prst="plus">
+            <a:avLst>
+              <a:gd name="adj" fmla="val 40195"/>
+            </a:avLst>
+          </a:prstGeom>
+          <a:solidFill>
+            <a:srgbClr val="1DEF1D"/>
+          </a:solidFill>
+        </p:spPr>
+        <p:style>
+          <a:lnRef idx="2">
+            <a:schemeClr val="accent1">
+              <a:shade val="50000"/>
+            </a:schemeClr>
+          </a:lnRef>
+          <a:fillRef idx="1">
+            <a:schemeClr val="accent1"/>
+          </a:fillRef>
+          <a:effectRef idx="0">
+            <a:schemeClr val="accent1"/>
+          </a:effectRef>
+          <a:fontRef idx="minor">
+            <a:schemeClr val="lt1"/>
+          </a:fontRef>
+        </p:style>
+        <p:txBody>
+          <a:bodyPr rtlCol="0" anchor="ctr"/>
+          <a:lstStyle/>
+          <a:p>
+            <a:pPr algn="ctr"/>
+            <a:endParaRPr lang="en-US"/>
+          </a:p>
+        </p:txBody>
+      </p:sp>
+      <p:sp>
+        <p:nvSpPr>
+          <p:cNvPr id="6" name="Donut 5"/>
+          <p:cNvSpPr/>
+          <p:nvPr/>
+        </p:nvSpPr>
+        <p:spPr>
+          <a:xfrm>
+            <a:off x="4499992" y="1844824"/>
+            <a:ext cx="2016224" cy="1872208"/>
+          </a:xfrm>
+          <a:prstGeom prst="donut">
+            <a:avLst>
+              <a:gd name="adj" fmla="val 6912"/>
+            </a:avLst>
+          </a:prstGeom>
+          <a:solidFill>
+            <a:srgbClr val="1DEF1D"/>
+          </a:solidFill>
+        </p:spPr>
+        <p:style>
+          <a:lnRef idx="2">
+            <a:schemeClr val="accent1">
+              <a:shade val="50000"/>
+            </a:schemeClr>
+          </a:lnRef>
+          <a:fillRef idx="1">
+            <a:schemeClr val="accent1"/>
+          </a:fillRef>
+          <a:effectRef idx="0">
+            <a:schemeClr val="accent1"/>
+          </a:effectRef>
+          <a:fontRef idx="minor">
+            <a:schemeClr val="lt1"/>
+          </a:fontRef>
+        </p:style>
+        <p:txBody>
+          <a:bodyPr rtlCol="0" anchor="ctr"/>
+          <a:lstStyle/>
+          <a:p>
+            <a:pPr algn="ctr"/>
+            <a:endParaRPr lang="en-US">
+              <a:solidFill>
+                <a:schemeClr val="tx1"/>
+              </a:solidFill>
+            </a:endParaRPr>
+          </a:p>
+        </p:txBody>
+      </p:sp>
+    </p:spTree>
+  </p:cSld>
+  <p:clrMapOvr>
+    <a:masterClrMapping/>
+  </p:clrMapOvr>
+</p:sld>
+</file>
+
+<file path=ppt/slides/slide6.xml><?xml version="1.0" encoding="utf-8"?>
+<p:sld xmlns:a="http://schemas.openxmlformats.org/drawingml/2006/main" xmlns:r="http://schemas.openxmlformats.org/officeDocument/2006/relationships" xmlns:p="http://schemas.openxmlformats.org/presentationml/2006/main">
+  <p:cSld>
+    <p:spTree>
+      <p:nvGrpSpPr>
+        <p:cNvPr id="1" name=""/>
+        <p:cNvGrpSpPr/>
+        <p:nvPr/>
+      </p:nvGrpSpPr>
+      <p:grpSpPr>
+        <a:xfrm>
+          <a:off x="0" y="0"/>
+          <a:ext cx="0" cy="0"/>
+          <a:chOff x="0" y="0"/>
+          <a:chExt cx="0" cy="0"/>
+        </a:xfrm>
+      </p:grpSpPr>
+      <p:pic>
+        <p:nvPicPr>
+          <p:cNvPr id="2" name="Picture 1" descr="D:\Workspaces\Eclipse-Android\ExpenditureList\My Resources\Photos\wallet 02.png"/>
+          <p:cNvPicPr>
+            <a:picLocks noChangeAspect="1" noChangeArrowheads="1"/>
+          </p:cNvPicPr>
+          <p:nvPr/>
+        </p:nvPicPr>
+        <p:blipFill>
+          <a:blip r:embed="rId2" cstate="print"/>
+          <a:srcRect/>
+          <a:stretch>
+            <a:fillRect/>
+          </a:stretch>
+        </p:blipFill>
+        <p:spPr bwMode="auto">
+          <a:xfrm>
+            <a:off x="3095625" y="1735138"/>
+            <a:ext cx="3048000" cy="3048000"/>
+          </a:xfrm>
+          <a:prstGeom prst="rect">
+            <a:avLst/>
+          </a:prstGeom>
+          <a:noFill/>
+        </p:spPr>
+      </p:pic>
+      <p:sp>
+        <p:nvSpPr>
+          <p:cNvPr id="3" name="Donut 2"/>
+          <p:cNvSpPr/>
+          <p:nvPr/>
+        </p:nvSpPr>
+        <p:spPr>
+          <a:xfrm>
+            <a:off x="4499992" y="1844824"/>
+            <a:ext cx="2016224" cy="1872208"/>
+          </a:xfrm>
+          <a:prstGeom prst="donut">
+            <a:avLst>
+              <a:gd name="adj" fmla="val 6912"/>
+            </a:avLst>
+          </a:prstGeom>
+          <a:solidFill>
+            <a:srgbClr val="FF0000"/>
+          </a:solidFill>
+        </p:spPr>
+        <p:style>
+          <a:lnRef idx="2">
+            <a:schemeClr val="accent1">
+              <a:shade val="50000"/>
+            </a:schemeClr>
+          </a:lnRef>
+          <a:fillRef idx="1">
+            <a:schemeClr val="accent1"/>
+          </a:fillRef>
+          <a:effectRef idx="0">
+            <a:schemeClr val="accent1"/>
+          </a:effectRef>
+          <a:fontRef idx="minor">
+            <a:schemeClr val="lt1"/>
+          </a:fontRef>
+        </p:style>
+        <p:txBody>
+          <a:bodyPr rtlCol="0" anchor="ctr"/>
+          <a:lstStyle/>
+          <a:p>
+            <a:pPr algn="ctr"/>
+            <a:endParaRPr lang="en-US">
+              <a:solidFill>
+                <a:schemeClr val="tx1"/>
+              </a:solidFill>
+            </a:endParaRPr>
+          </a:p>
+        </p:txBody>
+      </p:sp>
+      <p:sp>
+        <p:nvSpPr>
+          <p:cNvPr id="4" name="Minus 3"/>
+          <p:cNvSpPr/>
+          <p:nvPr/>
+        </p:nvSpPr>
+        <p:spPr>
+          <a:xfrm>
+            <a:off x="4499992" y="2492896"/>
+            <a:ext cx="2088232" cy="648072"/>
+          </a:xfrm>
+          <a:prstGeom prst="mathMinus">
+            <a:avLst/>
+          </a:prstGeom>
+          <a:solidFill>
+            <a:srgbClr val="FF0000"/>
+          </a:solidFill>
+        </p:spPr>
+        <p:style>
+          <a:lnRef idx="2">
+            <a:schemeClr val="accent1">
+              <a:shade val="50000"/>
+            </a:schemeClr>
+          </a:lnRef>
+          <a:fillRef idx="1">
+            <a:schemeClr val="accent1"/>
+          </a:fillRef>
+          <a:effectRef idx="0">
+            <a:schemeClr val="accent1"/>
+          </a:effectRef>
+          <a:fontRef idx="minor">
+            <a:schemeClr val="lt1"/>
+          </a:fontRef>
+        </p:style>
+        <p:txBody>
+          <a:bodyPr rtlCol="0" anchor="ctr"/>
+          <a:lstStyle/>
+          <a:p>
+            <a:pPr algn="ctr"/>
+            <a:endParaRPr lang="en-US"/>
+          </a:p>
+        </p:txBody>
+      </p:sp>
+    </p:spTree>
+  </p:cSld>
+  <p:clrMapOvr>
+    <a:masterClrMapping/>
+  </p:clrMapOvr>
+</p:sld>
+</file>
+
+<file path=ppt/slides/slide7.xml><?xml version="1.0" encoding="utf-8"?>
+<p:sld xmlns:a="http://schemas.openxmlformats.org/drawingml/2006/main" xmlns:r="http://schemas.openxmlformats.org/officeDocument/2006/relationships" xmlns:p="http://schemas.openxmlformats.org/presentationml/2006/main">
+  <p:cSld>
+    <p:spTree>
+      <p:nvGrpSpPr>
+        <p:cNvPr id="1" name=""/>
+        <p:cNvGrpSpPr/>
+        <p:nvPr/>
+      </p:nvGrpSpPr>
+      <p:grpSpPr>
+        <a:xfrm>
+          <a:off x="0" y="0"/>
+          <a:ext cx="0" cy="0"/>
+          <a:chOff x="0" y="0"/>
+          <a:chExt cx="0" cy="0"/>
+        </a:xfrm>
+      </p:grpSpPr>
+      <p:pic>
+        <p:nvPicPr>
+          <p:cNvPr id="1026" name="Picture 2" descr="D:\Workspaces\Android\AndroidStudio\FinanceManager\My Resources\Photos\wallet 03.png"/>
+          <p:cNvPicPr>
+            <a:picLocks noChangeAspect="1" noChangeArrowheads="1"/>
+          </p:cNvPicPr>
+          <p:nvPr/>
+        </p:nvPicPr>
+        <p:blipFill>
+          <a:blip r:embed="rId2" cstate="print"/>
+          <a:srcRect/>
+          <a:stretch>
+            <a:fillRect/>
+          </a:stretch>
+        </p:blipFill>
+        <p:spPr bwMode="auto">
+          <a:xfrm>
+            <a:off x="1907704" y="1700808"/>
+            <a:ext cx="2190700" cy="2190700"/>
+          </a:xfrm>
+          <a:prstGeom prst="rect">
+            <a:avLst/>
+          </a:prstGeom>
+          <a:noFill/>
+        </p:spPr>
+      </p:pic>
+      <p:pic>
+        <p:nvPicPr>
+          <p:cNvPr id="6" name="Picture 2" descr="D:\Workspaces\Android\AndroidStudio\FinanceManager\My Resources\Photos\wallet 03.png"/>
+          <p:cNvPicPr>
+            <a:picLocks noChangeAspect="1" noChangeArrowheads="1"/>
+          </p:cNvPicPr>
+          <p:nvPr/>
+        </p:nvPicPr>
+        <p:blipFill>
+          <a:blip r:embed="rId2" cstate="print"/>
+          <a:srcRect/>
+          <a:stretch>
+            <a:fillRect/>
+          </a:stretch>
+        </p:blipFill>
+        <p:spPr bwMode="auto">
+          <a:xfrm>
+            <a:off x="3851920" y="1772816"/>
+            <a:ext cx="2190700" cy="2190700"/>
+          </a:xfrm>
+          <a:prstGeom prst="rect">
+            <a:avLst/>
+          </a:prstGeom>
+          <a:noFill/>
+        </p:spPr>
+      </p:pic>
+      <p:sp>
+        <p:nvSpPr>
+          <p:cNvPr id="7" name="Left-Right Arrow 6"/>
+          <p:cNvSpPr/>
+          <p:nvPr/>
+        </p:nvSpPr>
+        <p:spPr>
+          <a:xfrm>
+            <a:off x="3059832" y="2420888"/>
+            <a:ext cx="1944216" cy="576064"/>
+          </a:xfrm>
+          <a:prstGeom prst="leftRightArrow">
+            <a:avLst/>
+          </a:prstGeom>
+        </p:spPr>
+        <p:style>
+          <a:lnRef idx="2">
+            <a:schemeClr val="accent1">
+              <a:shade val="50000"/>
+            </a:schemeClr>
+          </a:lnRef>
+          <a:fillRef idx="1">
+            <a:schemeClr val="accent1"/>
+          </a:fillRef>
+          <a:effectRef idx="0">
+            <a:schemeClr val="accent1"/>
+          </a:effectRef>
+          <a:fontRef idx="minor">
+            <a:schemeClr val="lt1"/>
+          </a:fontRef>
+        </p:style>
+        <p:txBody>
+          <a:bodyPr rtlCol="0" anchor="ctr"/>
+          <a:lstStyle/>
+          <a:p>
+            <a:pPr algn="ctr"/>
+            <a:endParaRPr lang="en-US"/>
+          </a:p>
+        </p:txBody>
+      </p:sp>
+    </p:spTree>
+  </p:cSld>
+  <p:clrMapOvr>
+    <a:masterClrMapping/>
+  </p:clrMapOvr>
 </p:sld>
 </file>
 

--- a/My Resources/Photos/photos.pptx
+++ b/My Resources/Photos/photos.pptx
@@ -12,6 +12,7 @@
     <p:sldId id="261" r:id="rId6"/>
     <p:sldId id="262" r:id="rId7"/>
     <p:sldId id="263" r:id="rId8"/>
+    <p:sldId id="264" r:id="rId9"/>
   </p:sldIdLst>
   <p:sldSz cx="9144000" cy="6858000" type="screen4x3"/>
   <p:notesSz cx="6858000" cy="9144000"/>
@@ -295,7 +296,7 @@
             <a:fld id="{55169934-6BC7-4441-A162-9BAC19B094A4}" type="datetimeFigureOut">
               <a:rPr lang="en-US" smtClean="0"/>
               <a:pPr/>
-              <a:t>15-Dec-16</a:t>
+              <a:t>28-Jan-17</a:t>
             </a:fld>
             <a:endParaRPr lang="en-GB"/>
           </a:p>
@@ -462,7 +463,7 @@
             <a:fld id="{55169934-6BC7-4441-A162-9BAC19B094A4}" type="datetimeFigureOut">
               <a:rPr lang="en-US" smtClean="0"/>
               <a:pPr/>
-              <a:t>15-Dec-16</a:t>
+              <a:t>28-Jan-17</a:t>
             </a:fld>
             <a:endParaRPr lang="en-GB"/>
           </a:p>
@@ -639,7 +640,7 @@
             <a:fld id="{55169934-6BC7-4441-A162-9BAC19B094A4}" type="datetimeFigureOut">
               <a:rPr lang="en-US" smtClean="0"/>
               <a:pPr/>
-              <a:t>15-Dec-16</a:t>
+              <a:t>28-Jan-17</a:t>
             </a:fld>
             <a:endParaRPr lang="en-GB"/>
           </a:p>
@@ -806,7 +807,7 @@
             <a:fld id="{55169934-6BC7-4441-A162-9BAC19B094A4}" type="datetimeFigureOut">
               <a:rPr lang="en-US" smtClean="0"/>
               <a:pPr/>
-              <a:t>15-Dec-16</a:t>
+              <a:t>28-Jan-17</a:t>
             </a:fld>
             <a:endParaRPr lang="en-GB"/>
           </a:p>
@@ -1049,7 +1050,7 @@
             <a:fld id="{55169934-6BC7-4441-A162-9BAC19B094A4}" type="datetimeFigureOut">
               <a:rPr lang="en-US" smtClean="0"/>
               <a:pPr/>
-              <a:t>15-Dec-16</a:t>
+              <a:t>28-Jan-17</a:t>
             </a:fld>
             <a:endParaRPr lang="en-GB"/>
           </a:p>
@@ -1334,7 +1335,7 @@
             <a:fld id="{55169934-6BC7-4441-A162-9BAC19B094A4}" type="datetimeFigureOut">
               <a:rPr lang="en-US" smtClean="0"/>
               <a:pPr/>
-              <a:t>15-Dec-16</a:t>
+              <a:t>28-Jan-17</a:t>
             </a:fld>
             <a:endParaRPr lang="en-GB"/>
           </a:p>
@@ -1753,7 +1754,7 @@
             <a:fld id="{55169934-6BC7-4441-A162-9BAC19B094A4}" type="datetimeFigureOut">
               <a:rPr lang="en-US" smtClean="0"/>
               <a:pPr/>
-              <a:t>15-Dec-16</a:t>
+              <a:t>28-Jan-17</a:t>
             </a:fld>
             <a:endParaRPr lang="en-GB"/>
           </a:p>
@@ -1868,7 +1869,7 @@
             <a:fld id="{55169934-6BC7-4441-A162-9BAC19B094A4}" type="datetimeFigureOut">
               <a:rPr lang="en-US" smtClean="0"/>
               <a:pPr/>
-              <a:t>15-Dec-16</a:t>
+              <a:t>28-Jan-17</a:t>
             </a:fld>
             <a:endParaRPr lang="en-GB"/>
           </a:p>
@@ -1960,7 +1961,7 @@
             <a:fld id="{55169934-6BC7-4441-A162-9BAC19B094A4}" type="datetimeFigureOut">
               <a:rPr lang="en-US" smtClean="0"/>
               <a:pPr/>
-              <a:t>15-Dec-16</a:t>
+              <a:t>28-Jan-17</a:t>
             </a:fld>
             <a:endParaRPr lang="en-GB"/>
           </a:p>
@@ -2234,7 +2235,7 @@
             <a:fld id="{55169934-6BC7-4441-A162-9BAC19B094A4}" type="datetimeFigureOut">
               <a:rPr lang="en-US" smtClean="0"/>
               <a:pPr/>
-              <a:t>15-Dec-16</a:t>
+              <a:t>28-Jan-17</a:t>
             </a:fld>
             <a:endParaRPr lang="en-GB"/>
           </a:p>
@@ -2484,7 +2485,7 @@
             <a:fld id="{55169934-6BC7-4441-A162-9BAC19B094A4}" type="datetimeFigureOut">
               <a:rPr lang="en-US" smtClean="0"/>
               <a:pPr/>
-              <a:t>15-Dec-16</a:t>
+              <a:t>28-Jan-17</a:t>
             </a:fld>
             <a:endParaRPr lang="en-GB"/>
           </a:p>
@@ -2694,7 +2695,7 @@
             <a:fld id="{55169934-6BC7-4441-A162-9BAC19B094A4}" type="datetimeFigureOut">
               <a:rPr lang="en-US" smtClean="0"/>
               <a:pPr/>
-              <a:t>15-Dec-16</a:t>
+              <a:t>28-Jan-17</a:t>
             </a:fld>
             <a:endParaRPr lang="en-GB"/>
           </a:p>
@@ -3935,6 +3936,79 @@
 </p:sld>
 </file>
 
+<file path=ppt/slides/slide8.xml><?xml version="1.0" encoding="utf-8"?>
+<p:sld xmlns:a="http://schemas.openxmlformats.org/drawingml/2006/main" xmlns:r="http://schemas.openxmlformats.org/officeDocument/2006/relationships" xmlns:p="http://schemas.openxmlformats.org/presentationml/2006/main">
+  <p:cSld>
+    <p:spTree>
+      <p:nvGrpSpPr>
+        <p:cNvPr id="1" name=""/>
+        <p:cNvGrpSpPr/>
+        <p:nvPr/>
+      </p:nvGrpSpPr>
+      <p:grpSpPr>
+        <a:xfrm>
+          <a:off x="0" y="0"/>
+          <a:ext cx="0" cy="0"/>
+          <a:chOff x="0" y="0"/>
+          <a:chExt cx="0" cy="0"/>
+        </a:xfrm>
+      </p:grpSpPr>
+      <p:sp>
+        <p:nvSpPr>
+          <p:cNvPr id="2" name="Isosceles Triangle 1"/>
+          <p:cNvSpPr/>
+          <p:nvPr/>
+        </p:nvSpPr>
+        <p:spPr>
+          <a:xfrm rot="19884761">
+            <a:off x="2021825" y="1630299"/>
+            <a:ext cx="1519969" cy="1382528"/>
+          </a:xfrm>
+          <a:prstGeom prst="triangle">
+            <a:avLst/>
+          </a:prstGeom>
+          <a:solidFill>
+            <a:schemeClr val="bg2"/>
+          </a:solidFill>
+          <a:ln>
+            <a:solidFill>
+              <a:schemeClr val="tx1"/>
+            </a:solidFill>
+          </a:ln>
+        </p:spPr>
+        <p:style>
+          <a:lnRef idx="2">
+            <a:schemeClr val="accent1">
+              <a:shade val="50000"/>
+            </a:schemeClr>
+          </a:lnRef>
+          <a:fillRef idx="1">
+            <a:schemeClr val="accent1"/>
+          </a:fillRef>
+          <a:effectRef idx="0">
+            <a:schemeClr val="accent1"/>
+          </a:effectRef>
+          <a:fontRef idx="minor">
+            <a:schemeClr val="lt1"/>
+          </a:fontRef>
+        </p:style>
+        <p:txBody>
+          <a:bodyPr rtlCol="0" anchor="ctr"/>
+          <a:lstStyle/>
+          <a:p>
+            <a:pPr algn="ctr"/>
+            <a:endParaRPr lang="en-US"/>
+          </a:p>
+        </p:txBody>
+      </p:sp>
+    </p:spTree>
+  </p:cSld>
+  <p:clrMapOvr>
+    <a:masterClrMapping/>
+  </p:clrMapOvr>
+</p:sld>
+</file>
+
 <file path=ppt/theme/theme1.xml><?xml version="1.0" encoding="utf-8"?>
 <a:theme xmlns:a="http://schemas.openxmlformats.org/drawingml/2006/main" name="Office Theme">
   <a:themeElements>
